--- a/CLIMATE CHANGE.pptx
+++ b/CLIMATE CHANGE.pptx
@@ -300,6 +300,74 @@
 </p:presentation>
 </file>
 
+<file path=ppt/revisionInfo.xml><?xml version="1.0" encoding="utf-8"?>
+<p1510:revInfo xmlns:a="http://schemas.openxmlformats.org/drawingml/2006/main" xmlns:r="http://schemas.openxmlformats.org/officeDocument/2006/relationships" xmlns:p1510="http://schemas.microsoft.com/office/powerpoint/2015/10/main">
+  <p1510:revLst>
+    <p1510:client id="{1D6BB152-F69D-40E5-99B4-F2D5E477D763}" v="16" dt="2021-04-12T23:50:23.853"/>
+  </p1510:revLst>
+</p1510:revInfo>
+</file>
+
+<file path=ppt/changesInfos/changesInfo1.xml><?xml version="1.0" encoding="utf-8"?>
+<pc:chgInfo xmlns:a="http://schemas.openxmlformats.org/drawingml/2006/main" xmlns:r="http://schemas.openxmlformats.org/officeDocument/2006/relationships" xmlns:ac="http://schemas.microsoft.com/office/drawing/2013/main/command" xmlns:pc="http://schemas.microsoft.com/office/powerpoint/2013/main/command">
+  <pc:docChgLst>
+    <pc:chgData name="Lauren McCarthy" userId="197cec705b9a3ddf" providerId="LiveId" clId="{1D6BB152-F69D-40E5-99B4-F2D5E477D763}"/>
+    <pc:docChg chg="custSel modSld">
+      <pc:chgData name="Lauren McCarthy" userId="197cec705b9a3ddf" providerId="LiveId" clId="{1D6BB152-F69D-40E5-99B4-F2D5E477D763}" dt="2021-04-12T23:50:23.851" v="258" actId="1076"/>
+      <pc:docMkLst>
+        <pc:docMk/>
+      </pc:docMkLst>
+      <pc:sldChg chg="modSp mod">
+        <pc:chgData name="Lauren McCarthy" userId="197cec705b9a3ddf" providerId="LiveId" clId="{1D6BB152-F69D-40E5-99B4-F2D5E477D763}" dt="2021-04-12T23:34:57.022" v="242" actId="20577"/>
+        <pc:sldMkLst>
+          <pc:docMk/>
+          <pc:sldMk cId="0" sldId="258"/>
+        </pc:sldMkLst>
+        <pc:spChg chg="mod">
+          <ac:chgData name="Lauren McCarthy" userId="197cec705b9a3ddf" providerId="LiveId" clId="{1D6BB152-F69D-40E5-99B4-F2D5E477D763}" dt="2021-04-12T23:34:57.022" v="242" actId="20577"/>
+          <ac:spMkLst>
+            <pc:docMk/>
+            <pc:sldMk cId="0" sldId="258"/>
+            <ac:spMk id="75" creationId="{00000000-0000-0000-0000-000000000000}"/>
+          </ac:spMkLst>
+        </pc:spChg>
+      </pc:sldChg>
+      <pc:sldChg chg="addSp delSp modSp modNotes">
+        <pc:chgData name="Lauren McCarthy" userId="197cec705b9a3ddf" providerId="LiveId" clId="{1D6BB152-F69D-40E5-99B4-F2D5E477D763}" dt="2021-04-12T23:50:23.851" v="258" actId="1076"/>
+        <pc:sldMkLst>
+          <pc:docMk/>
+          <pc:sldMk cId="0" sldId="265"/>
+        </pc:sldMkLst>
+        <pc:picChg chg="del mod">
+          <ac:chgData name="Lauren McCarthy" userId="197cec705b9a3ddf" providerId="LiveId" clId="{1D6BB152-F69D-40E5-99B4-F2D5E477D763}" dt="2021-04-12T23:49:58.583" v="252" actId="478"/>
+          <ac:picMkLst>
+            <pc:docMk/>
+            <pc:sldMk cId="0" sldId="265"/>
+            <ac:picMk id="120" creationId="{00000000-0000-0000-0000-000000000000}"/>
+          </ac:picMkLst>
+        </pc:picChg>
+        <pc:picChg chg="add del mod">
+          <ac:chgData name="Lauren McCarthy" userId="197cec705b9a3ddf" providerId="LiveId" clId="{1D6BB152-F69D-40E5-99B4-F2D5E477D763}" dt="2021-04-12T23:49:58.583" v="252" actId="478"/>
+          <ac:picMkLst>
+            <pc:docMk/>
+            <pc:sldMk cId="0" sldId="265"/>
+            <ac:picMk id="1026" creationId="{61180C02-63FD-4DA7-9674-253009E2F583}"/>
+          </ac:picMkLst>
+        </pc:picChg>
+        <pc:picChg chg="add mod">
+          <ac:chgData name="Lauren McCarthy" userId="197cec705b9a3ddf" providerId="LiveId" clId="{1D6BB152-F69D-40E5-99B4-F2D5E477D763}" dt="2021-04-12T23:50:23.851" v="258" actId="1076"/>
+          <ac:picMkLst>
+            <pc:docMk/>
+            <pc:sldMk cId="0" sldId="265"/>
+            <ac:picMk id="1028" creationId="{ECAFC7B0-4DC7-4819-A68B-3F04DF2C5734}"/>
+          </ac:picMkLst>
+        </pc:picChg>
+      </pc:sldChg>
+    </pc:docChg>
+  </pc:docChgLst>
+</pc:chgInfo>
+</file>
+
 <file path=ppt/notesMasters/notesMaster1.xml><?xml version="1.0" encoding="utf-8"?>
 <p:notesMaster xmlns:a="http://schemas.openxmlformats.org/drawingml/2006/main" xmlns:r="http://schemas.openxmlformats.org/officeDocument/2006/relationships" xmlns:p="http://schemas.openxmlformats.org/presentationml/2006/main">
   <p:cSld>
@@ -874,7 +942,7 @@
         </p:nvSpPr>
         <p:spPr>
           <a:xfrm>
-            <a:off x="381300" y="685800"/>
+            <a:off x="381000" y="685800"/>
             <a:ext cx="6096000" cy="3429000"/>
           </a:xfrm>
           <a:custGeom>
@@ -1082,7 +1150,7 @@
         </p:nvSpPr>
         <p:spPr>
           <a:xfrm>
-            <a:off x="381300" y="685800"/>
+            <a:off x="381000" y="685800"/>
             <a:ext cx="6096000" cy="3429000"/>
           </a:xfrm>
           <a:custGeom>
@@ -1706,7 +1774,7 @@
         </p:nvSpPr>
         <p:spPr>
           <a:xfrm>
-            <a:off x="381300" y="685800"/>
+            <a:off x="381000" y="685800"/>
             <a:ext cx="6096000" cy="3429000"/>
           </a:xfrm>
           <a:custGeom>
@@ -2642,7 +2710,7 @@
         </p:nvSpPr>
         <p:spPr>
           <a:xfrm>
-            <a:off x="381300" y="685800"/>
+            <a:off x="381000" y="685800"/>
             <a:ext cx="6096000" cy="3429000"/>
           </a:xfrm>
           <a:custGeom>
@@ -2746,7 +2814,7 @@
         </p:nvSpPr>
         <p:spPr>
           <a:xfrm>
-            <a:off x="381300" y="685800"/>
+            <a:off x="381000" y="685800"/>
             <a:ext cx="6096000" cy="3429000"/>
           </a:xfrm>
           <a:custGeom>
@@ -9102,30 +9170,49 @@
       </p:sp>
       <p:pic>
         <p:nvPicPr>
-          <p:cNvPr id="120" name="Google Shape;120;p22"/>
-          <p:cNvPicPr preferRelativeResize="0"/>
+          <p:cNvPr id="1028" name="Picture 4">
+            <a:extLst>
+              <a:ext uri="{FF2B5EF4-FFF2-40B4-BE49-F238E27FC236}">
+                <a16:creationId xmlns:a16="http://schemas.microsoft.com/office/drawing/2014/main" id="{ECAFC7B0-4DC7-4819-A68B-3F04DF2C5734}"/>
+              </a:ext>
+            </a:extLst>
+          </p:cNvPr>
+          <p:cNvPicPr>
+            <a:picLocks noChangeAspect="1" noChangeArrowheads="1"/>
+          </p:cNvPicPr>
           <p:nvPr/>
         </p:nvPicPr>
         <p:blipFill>
           <a:blip r:embed="rId3">
-            <a:alphaModFix/>
+            <a:extLst>
+              <a:ext uri="{28A0092B-C50C-407E-A947-70E740481C1C}">
+                <a14:useLocalDpi xmlns:a14="http://schemas.microsoft.com/office/drawing/2010/main" val="0"/>
+              </a:ext>
+            </a:extLst>
           </a:blip>
+          <a:srcRect/>
           <a:stretch>
             <a:fillRect/>
           </a:stretch>
         </p:blipFill>
-        <p:spPr>
-          <a:xfrm flipH="1">
-            <a:off x="274173" y="865525"/>
-            <a:ext cx="8595652" cy="3968150"/>
+        <p:spPr bwMode="auto">
+          <a:xfrm>
+            <a:off x="215153" y="1213550"/>
+            <a:ext cx="8520600" cy="3371850"/>
           </a:xfrm>
           <a:prstGeom prst="rect">
             <a:avLst/>
           </a:prstGeom>
           <a:noFill/>
-          <a:ln>
-            <a:noFill/>
-          </a:ln>
+          <a:extLst>
+            <a:ext uri="{909E8E84-426E-40DD-AFC4-6F175D3DCCD1}">
+              <a14:hiddenFill xmlns:a14="http://schemas.microsoft.com/office/drawing/2010/main">
+                <a:solidFill>
+                  <a:srgbClr val="FFFFFF"/>
+                </a:solidFill>
+              </a14:hiddenFill>
+            </a:ext>
+          </a:extLst>
         </p:spPr>
       </p:pic>
     </p:spTree>
@@ -9361,7 +9448,7 @@
         </p:spPr>
         <p:txBody>
           <a:bodyPr spcFirstLastPara="1" wrap="square" lIns="91425" tIns="91425" rIns="91425" bIns="91425" anchor="t" anchorCtr="0">
-            <a:normAutofit lnSpcReduction="20000"/>
+            <a:normAutofit fontScale="92500"/>
           </a:bodyPr>
           <a:lstStyle/>
           <a:p>
@@ -10342,7 +10429,7 @@
         </p:spPr>
         <p:txBody>
           <a:bodyPr spcFirstLastPara="1" wrap="square" lIns="91425" tIns="91425" rIns="91425" bIns="91425" anchor="t" anchorCtr="0">
-            <a:normAutofit lnSpcReduction="10000"/>
+            <a:normAutofit fontScale="77500" lnSpcReduction="20000"/>
           </a:bodyPr>
           <a:lstStyle/>
           <a:p>
@@ -12064,7 +12151,7 @@
         </p:spPr>
         <p:txBody>
           <a:bodyPr spcFirstLastPara="1" wrap="square" lIns="91425" tIns="91425" rIns="91425" bIns="91425" anchor="t" anchorCtr="0">
-            <a:normAutofit lnSpcReduction="20000"/>
+            <a:normAutofit lnSpcReduction="10000"/>
           </a:bodyPr>
           <a:lstStyle/>
           <a:p>
@@ -12079,10 +12166,10 @@
               <a:buChar char="●"/>
             </a:pPr>
             <a:r>
-              <a:rPr lang="en" sz="2100"/>
+              <a:rPr lang="en" sz="2100" dirty="0"/>
               <a:t>Rising temperatures, extreme weather, and natural disasters are experienced globally each year. These changes in our environment indicate a need for adaptability over time across the globe. </a:t>
             </a:r>
-            <a:endParaRPr sz="2100"/>
+            <a:endParaRPr sz="2100" dirty="0"/>
           </a:p>
           <a:p>
             <a:pPr marL="457200" lvl="0" indent="-361950" algn="l" rtl="0">
@@ -12096,10 +12183,10 @@
               <a:buChar char="●"/>
             </a:pPr>
             <a:r>
-              <a:rPr lang="en" sz="2100"/>
-              <a:t>Data has been gathered to reveal the population growth, greenhouse gases and other factors that may have a strong correlation of a rising sea level and the average temperature per country. </a:t>
+              <a:rPr lang="en" sz="2100" dirty="0"/>
+              <a:t>Data has been gathered to better understand the nature of climate change as it relates to population growth, greenhouse gases and temperature. </a:t>
             </a:r>
-            <a:endParaRPr sz="2100"/>
+            <a:endParaRPr sz="2100" dirty="0"/>
           </a:p>
           <a:p>
             <a:pPr marL="457200" lvl="0" indent="-361950" algn="l" rtl="0">
@@ -12113,10 +12200,10 @@
               <a:buChar char="●"/>
             </a:pPr>
             <a:r>
-              <a:rPr lang="en" sz="2100"/>
-              <a:t>The data that was found reveals strong indicators of what is advancing the climate change.</a:t>
+              <a:rPr lang="en" sz="2100" dirty="0"/>
+              <a:t>Our analysis reveals that these are strong indicators of what is advancing climate change.</a:t>
             </a:r>
-            <a:endParaRPr sz="2100"/>
+            <a:endParaRPr sz="2100" dirty="0"/>
           </a:p>
         </p:txBody>
       </p:sp>
@@ -12208,7 +12295,7 @@
         </p:spPr>
         <p:txBody>
           <a:bodyPr spcFirstLastPara="1" wrap="square" lIns="91425" tIns="91425" rIns="91425" bIns="91425" anchor="t" anchorCtr="0">
-            <a:normAutofit fontScale="77500"/>
+            <a:normAutofit fontScale="85000" lnSpcReduction="10000"/>
           </a:bodyPr>
           <a:lstStyle/>
           <a:p>
